--- a/CKDSurveillance/PPT/Q372.pptx
+++ b/CKDSurveillance/PPT/Q372.pptx
@@ -7,6 +7,7 @@
   <p:sldIdLst>
     <p:sldId id="256" r:id="rId2"/>
     <p:sldId id="267" r:id="rId3"/>
+    <p:sldId id="268" r:id="rId4"/>
   </p:sldIdLst>
   <p:sldSz cx="12192000" cy="6858000"/>
   <p:notesSz cx="6858000" cy="9144000"/>
@@ -162,7 +163,7 @@
           </c:tx>
           <c:spPr>
             <a:solidFill>
-              <a:schemeClr val="accent1"/>
+              <a:srgbClr val="993366"/>
             </a:solidFill>
             <a:ln>
               <a:noFill/>
@@ -212,14 +213,14 @@
                   <c:v>5.08</c:v>
                 </c:pt>
                 <c:pt idx="4">
-                  <c:v>5.61</c:v>
+                  <c:v>5.71</c:v>
                 </c:pt>
               </c:numCache>
             </c:numRef>
           </c:val>
           <c:extLst>
             <c:ext xmlns:c16="http://schemas.microsoft.com/office/drawing/2014/chart" uri="{C3380CC4-5D6E-409C-BE32-E72D297353CC}">
-              <c16:uniqueId val="{00000000-1DDD-412A-BC35-927501030BD9}"/>
+              <c16:uniqueId val="{00000000-0941-4387-9EDF-969365689E64}"/>
             </c:ext>
           </c:extLst>
         </c:ser>
@@ -233,6 +234,163 @@
                 <c:ptCount val="1"/>
                 <c:pt idx="0">
                   <c:v>CKD Stage 2</c:v>
+                </c:pt>
+              </c:strCache>
+            </c:strRef>
+          </c:tx>
+          <c:spPr>
+            <a:solidFill>
+              <a:srgbClr val="008080"/>
+            </a:solidFill>
+            <a:ln>
+              <a:noFill/>
+            </a:ln>
+            <a:effectLst/>
+          </c:spPr>
+          <c:invertIfNegative val="0"/>
+          <c:cat>
+            <c:strRef>
+              <c:f>Graphics!$A$2:$A$6</c:f>
+              <c:strCache>
+                <c:ptCount val="5"/>
+                <c:pt idx="0">
+                  <c:v>2001–2004</c:v>
+                </c:pt>
+                <c:pt idx="1">
+                  <c:v>2005–2008</c:v>
+                </c:pt>
+                <c:pt idx="2">
+                  <c:v>2009–2012</c:v>
+                </c:pt>
+                <c:pt idx="3">
+                  <c:v>2013–2016</c:v>
+                </c:pt>
+                <c:pt idx="4">
+                  <c:v>2017–2020</c:v>
+                </c:pt>
+              </c:strCache>
+            </c:strRef>
+          </c:cat>
+          <c:val>
+            <c:numRef>
+              <c:f>Graphics!$C$2:$C$6</c:f>
+              <c:numCache>
+                <c:formatCode>0.00</c:formatCode>
+                <c:ptCount val="5"/>
+                <c:pt idx="0">
+                  <c:v>3.13</c:v>
+                </c:pt>
+                <c:pt idx="1">
+                  <c:v>3.1</c:v>
+                </c:pt>
+                <c:pt idx="2">
+                  <c:v>2.65</c:v>
+                </c:pt>
+                <c:pt idx="3">
+                  <c:v>3.16</c:v>
+                </c:pt>
+                <c:pt idx="4">
+                  <c:v>2.7</c:v>
+                </c:pt>
+              </c:numCache>
+            </c:numRef>
+          </c:val>
+          <c:extLst>
+            <c:ext xmlns:c16="http://schemas.microsoft.com/office/drawing/2014/chart" uri="{C3380CC4-5D6E-409C-BE32-E72D297353CC}">
+              <c16:uniqueId val="{00000001-0941-4387-9EDF-969365689E64}"/>
+            </c:ext>
+          </c:extLst>
+        </c:ser>
+        <c:ser>
+          <c:idx val="2"/>
+          <c:order val="2"/>
+          <c:tx>
+            <c:strRef>
+              <c:f>Graphics!$D$1</c:f>
+              <c:strCache>
+                <c:ptCount val="1"/>
+                <c:pt idx="0">
+                  <c:v>CKD Stage 3a</c:v>
+                </c:pt>
+              </c:strCache>
+            </c:strRef>
+          </c:tx>
+          <c:spPr>
+            <a:solidFill>
+              <a:schemeClr val="tx1">
+                <a:lumMod val="50000"/>
+                <a:lumOff val="50000"/>
+              </a:schemeClr>
+            </a:solidFill>
+            <a:ln>
+              <a:noFill/>
+            </a:ln>
+            <a:effectLst/>
+          </c:spPr>
+          <c:invertIfNegative val="0"/>
+          <c:cat>
+            <c:strRef>
+              <c:f>Graphics!$A$2:$A$6</c:f>
+              <c:strCache>
+                <c:ptCount val="5"/>
+                <c:pt idx="0">
+                  <c:v>2001–2004</c:v>
+                </c:pt>
+                <c:pt idx="1">
+                  <c:v>2005–2008</c:v>
+                </c:pt>
+                <c:pt idx="2">
+                  <c:v>2009–2012</c:v>
+                </c:pt>
+                <c:pt idx="3">
+                  <c:v>2013–2016</c:v>
+                </c:pt>
+                <c:pt idx="4">
+                  <c:v>2017–2020</c:v>
+                </c:pt>
+              </c:strCache>
+            </c:strRef>
+          </c:cat>
+          <c:val>
+            <c:numRef>
+              <c:f>Graphics!$D$2:$D$6</c:f>
+              <c:numCache>
+                <c:formatCode>0.00</c:formatCode>
+                <c:ptCount val="5"/>
+                <c:pt idx="0">
+                  <c:v>3.58</c:v>
+                </c:pt>
+                <c:pt idx="1">
+                  <c:v>3.45</c:v>
+                </c:pt>
+                <c:pt idx="2">
+                  <c:v>3.58</c:v>
+                </c:pt>
+                <c:pt idx="3">
+                  <c:v>3.72</c:v>
+                </c:pt>
+                <c:pt idx="4">
+                  <c:v>3.92</c:v>
+                </c:pt>
+              </c:numCache>
+            </c:numRef>
+          </c:val>
+          <c:extLst>
+            <c:ext xmlns:c16="http://schemas.microsoft.com/office/drawing/2014/chart" uri="{C3380CC4-5D6E-409C-BE32-E72D297353CC}">
+              <c16:uniqueId val="{00000002-0941-4387-9EDF-969365689E64}"/>
+            </c:ext>
+          </c:extLst>
+        </c:ser>
+        <c:ser>
+          <c:idx val="3"/>
+          <c:order val="3"/>
+          <c:tx>
+            <c:strRef>
+              <c:f>Graphics!$E$1</c:f>
+              <c:strCache>
+                <c:ptCount val="1"/>
+                <c:pt idx="0">
+                  <c:v>CKD Stage 3b</c:v>
                 </c:pt>
               </c:strCache>
             </c:strRef>
@@ -272,51 +430,51 @@
           </c:cat>
           <c:val>
             <c:numRef>
-              <c:f>Graphics!$C$2:$C$6</c:f>
+              <c:f>Graphics!$E$2:$E$6</c:f>
               <c:numCache>
                 <c:formatCode>0.00</c:formatCode>
                 <c:ptCount val="5"/>
                 <c:pt idx="0">
-                  <c:v>3.13</c:v>
+                  <c:v>1.21</c:v>
                 </c:pt>
                 <c:pt idx="1">
-                  <c:v>3.1</c:v>
+                  <c:v>1.32</c:v>
                 </c:pt>
                 <c:pt idx="2">
-                  <c:v>2.65</c:v>
+                  <c:v>1.26</c:v>
                 </c:pt>
                 <c:pt idx="3">
-                  <c:v>3.16</c:v>
+                  <c:v>1.39</c:v>
                 </c:pt>
                 <c:pt idx="4">
-                  <c:v>2.77</c:v>
+                  <c:v>1.08</c:v>
                 </c:pt>
               </c:numCache>
             </c:numRef>
           </c:val>
           <c:extLst>
             <c:ext xmlns:c16="http://schemas.microsoft.com/office/drawing/2014/chart" uri="{C3380CC4-5D6E-409C-BE32-E72D297353CC}">
-              <c16:uniqueId val="{00000001-1DDD-412A-BC35-927501030BD9}"/>
+              <c16:uniqueId val="{00000003-0941-4387-9EDF-969365689E64}"/>
             </c:ext>
           </c:extLst>
         </c:ser>
         <c:ser>
-          <c:idx val="2"/>
-          <c:order val="2"/>
+          <c:idx val="4"/>
+          <c:order val="4"/>
           <c:tx>
             <c:strRef>
-              <c:f>Graphics!$D$1</c:f>
+              <c:f>Graphics!$F$1</c:f>
               <c:strCache>
                 <c:ptCount val="1"/>
                 <c:pt idx="0">
-                  <c:v>CKD Stage 3a</c:v>
+                  <c:v>CKD Stage 4</c:v>
                 </c:pt>
               </c:strCache>
             </c:strRef>
           </c:tx>
           <c:spPr>
             <a:solidFill>
-              <a:schemeClr val="accent3"/>
+              <a:srgbClr val="996633"/>
             </a:solidFill>
             <a:ln>
               <a:noFill/>
@@ -349,51 +507,51 @@
           </c:cat>
           <c:val>
             <c:numRef>
-              <c:f>Graphics!$D$2:$D$6</c:f>
+              <c:f>Graphics!$F$2:$F$6</c:f>
               <c:numCache>
                 <c:formatCode>0.00</c:formatCode>
                 <c:ptCount val="5"/>
                 <c:pt idx="0">
-                  <c:v>3.58</c:v>
+                  <c:v>0.3</c:v>
                 </c:pt>
                 <c:pt idx="1">
-                  <c:v>3.45</c:v>
+                  <c:v>0.35</c:v>
                 </c:pt>
                 <c:pt idx="2">
-                  <c:v>3.58</c:v>
+                  <c:v>0.41</c:v>
                 </c:pt>
                 <c:pt idx="3">
-                  <c:v>3.72</c:v>
+                  <c:v>0.33</c:v>
                 </c:pt>
                 <c:pt idx="4">
-                  <c:v>3.96</c:v>
+                  <c:v>0.33</c:v>
                 </c:pt>
               </c:numCache>
             </c:numRef>
           </c:val>
           <c:extLst>
             <c:ext xmlns:c16="http://schemas.microsoft.com/office/drawing/2014/chart" uri="{C3380CC4-5D6E-409C-BE32-E72D297353CC}">
-              <c16:uniqueId val="{00000002-1DDD-412A-BC35-927501030BD9}"/>
+              <c16:uniqueId val="{00000004-0941-4387-9EDF-969365689E64}"/>
             </c:ext>
           </c:extLst>
         </c:ser>
         <c:ser>
-          <c:idx val="3"/>
-          <c:order val="3"/>
+          <c:idx val="5"/>
+          <c:order val="5"/>
           <c:tx>
             <c:strRef>
-              <c:f>Graphics!$E$1</c:f>
+              <c:f>Graphics!$G$1</c:f>
               <c:strCache>
                 <c:ptCount val="1"/>
                 <c:pt idx="0">
-                  <c:v>CKD Stage 3b</c:v>
+                  <c:v>CKD Stage 5*</c:v>
                 </c:pt>
               </c:strCache>
             </c:strRef>
           </c:tx>
           <c:spPr>
             <a:solidFill>
-              <a:schemeClr val="accent4"/>
+              <a:schemeClr val="tx1"/>
             </a:solidFill>
             <a:ln>
               <a:noFill/>
@@ -426,160 +584,6 @@
           </c:cat>
           <c:val>
             <c:numRef>
-              <c:f>Graphics!$E$2:$E$6</c:f>
-              <c:numCache>
-                <c:formatCode>0.00</c:formatCode>
-                <c:ptCount val="5"/>
-                <c:pt idx="0">
-                  <c:v>1.21</c:v>
-                </c:pt>
-                <c:pt idx="1">
-                  <c:v>1.32</c:v>
-                </c:pt>
-                <c:pt idx="2">
-                  <c:v>1.26</c:v>
-                </c:pt>
-                <c:pt idx="3">
-                  <c:v>1.39</c:v>
-                </c:pt>
-                <c:pt idx="4">
-                  <c:v>1.0900000000000001</c:v>
-                </c:pt>
-              </c:numCache>
-            </c:numRef>
-          </c:val>
-          <c:extLst>
-            <c:ext xmlns:c16="http://schemas.microsoft.com/office/drawing/2014/chart" uri="{C3380CC4-5D6E-409C-BE32-E72D297353CC}">
-              <c16:uniqueId val="{00000003-1DDD-412A-BC35-927501030BD9}"/>
-            </c:ext>
-          </c:extLst>
-        </c:ser>
-        <c:ser>
-          <c:idx val="4"/>
-          <c:order val="4"/>
-          <c:tx>
-            <c:strRef>
-              <c:f>Graphics!$F$1</c:f>
-              <c:strCache>
-                <c:ptCount val="1"/>
-                <c:pt idx="0">
-                  <c:v>CKD Stage 4</c:v>
-                </c:pt>
-              </c:strCache>
-            </c:strRef>
-          </c:tx>
-          <c:spPr>
-            <a:solidFill>
-              <a:schemeClr val="accent5"/>
-            </a:solidFill>
-            <a:ln>
-              <a:noFill/>
-            </a:ln>
-            <a:effectLst/>
-          </c:spPr>
-          <c:invertIfNegative val="0"/>
-          <c:cat>
-            <c:strRef>
-              <c:f>Graphics!$A$2:$A$6</c:f>
-              <c:strCache>
-                <c:ptCount val="5"/>
-                <c:pt idx="0">
-                  <c:v>2001–2004</c:v>
-                </c:pt>
-                <c:pt idx="1">
-                  <c:v>2005–2008</c:v>
-                </c:pt>
-                <c:pt idx="2">
-                  <c:v>2009–2012</c:v>
-                </c:pt>
-                <c:pt idx="3">
-                  <c:v>2013–2016</c:v>
-                </c:pt>
-                <c:pt idx="4">
-                  <c:v>2017–2020</c:v>
-                </c:pt>
-              </c:strCache>
-            </c:strRef>
-          </c:cat>
-          <c:val>
-            <c:numRef>
-              <c:f>Graphics!$F$2:$F$6</c:f>
-              <c:numCache>
-                <c:formatCode>0.00</c:formatCode>
-                <c:ptCount val="5"/>
-                <c:pt idx="0">
-                  <c:v>0.3</c:v>
-                </c:pt>
-                <c:pt idx="1">
-                  <c:v>0.35</c:v>
-                </c:pt>
-                <c:pt idx="2">
-                  <c:v>0.41</c:v>
-                </c:pt>
-                <c:pt idx="3">
-                  <c:v>0.33</c:v>
-                </c:pt>
-                <c:pt idx="4">
-                  <c:v>0.32</c:v>
-                </c:pt>
-              </c:numCache>
-            </c:numRef>
-          </c:val>
-          <c:extLst>
-            <c:ext xmlns:c16="http://schemas.microsoft.com/office/drawing/2014/chart" uri="{C3380CC4-5D6E-409C-BE32-E72D297353CC}">
-              <c16:uniqueId val="{00000004-1DDD-412A-BC35-927501030BD9}"/>
-            </c:ext>
-          </c:extLst>
-        </c:ser>
-        <c:ser>
-          <c:idx val="5"/>
-          <c:order val="5"/>
-          <c:tx>
-            <c:strRef>
-              <c:f>Graphics!$G$1</c:f>
-              <c:strCache>
-                <c:ptCount val="1"/>
-                <c:pt idx="0">
-                  <c:v>CKD Stage 5</c:v>
-                </c:pt>
-              </c:strCache>
-            </c:strRef>
-          </c:tx>
-          <c:spPr>
-            <a:solidFill>
-              <a:schemeClr val="accent6"/>
-            </a:solidFill>
-            <a:ln>
-              <a:noFill/>
-            </a:ln>
-            <a:effectLst/>
-          </c:spPr>
-          <c:invertIfNegative val="0"/>
-          <c:cat>
-            <c:strRef>
-              <c:f>Graphics!$A$2:$A$6</c:f>
-              <c:strCache>
-                <c:ptCount val="5"/>
-                <c:pt idx="0">
-                  <c:v>2001–2004</c:v>
-                </c:pt>
-                <c:pt idx="1">
-                  <c:v>2005–2008</c:v>
-                </c:pt>
-                <c:pt idx="2">
-                  <c:v>2009–2012</c:v>
-                </c:pt>
-                <c:pt idx="3">
-                  <c:v>2013–2016</c:v>
-                </c:pt>
-                <c:pt idx="4">
-                  <c:v>2017–2020</c:v>
-                </c:pt>
-              </c:strCache>
-            </c:strRef>
-          </c:cat>
-          <c:val>
-            <c:numRef>
               <c:f>Graphics!$G$2:$G$6</c:f>
               <c:numCache>
                 <c:formatCode>0.00</c:formatCode>
@@ -594,14 +598,14 @@
                   <c:v>0.13</c:v>
                 </c:pt>
                 <c:pt idx="4">
-                  <c:v>0.13</c:v>
+                  <c:v>0.14000000000000001</c:v>
                 </c:pt>
               </c:numCache>
             </c:numRef>
           </c:val>
           <c:extLst>
             <c:ext xmlns:c16="http://schemas.microsoft.com/office/drawing/2014/chart" uri="{C3380CC4-5D6E-409C-BE32-E72D297353CC}">
-              <c16:uniqueId val="{00000005-1DDD-412A-BC35-927501030BD9}"/>
+              <c16:uniqueId val="{00000005-0941-4387-9EDF-969365689E64}"/>
             </c:ext>
           </c:extLst>
         </c:ser>
@@ -647,9 +651,9 @@
           <a:lstStyle/>
           <a:p>
             <a:pPr>
-              <a:defRPr sz="2400" b="0" i="0" u="none" strike="noStrike" kern="1200" baseline="0">
+              <a:defRPr sz="2300" b="0" i="0" u="none" strike="noStrike" kern="1200" baseline="0">
                 <a:solidFill>
-                  <a:schemeClr val="tx1"/>
+                  <a:sysClr val="windowText" lastClr="000000"/>
                 </a:solidFill>
                 <a:latin typeface="+mn-lt"/>
                 <a:ea typeface="+mn-ea"/>
@@ -670,7 +674,6 @@
         <c:axId val="1466708992"/>
         <c:scaling>
           <c:orientation val="minMax"/>
-          <c:max val="16"/>
         </c:scaling>
         <c:delete val="0"/>
         <c:axPos val="l"/>
@@ -695,9 +698,9 @@
               <a:lstStyle/>
               <a:p>
                 <a:pPr>
-                  <a:defRPr sz="2800" b="0" i="0" u="none" strike="noStrike" kern="1200" baseline="0">
+                  <a:defRPr sz="2400" b="0" i="0" u="none" strike="noStrike" kern="1200" baseline="0">
                     <a:solidFill>
-                      <a:schemeClr val="tx1"/>
+                      <a:sysClr val="windowText" lastClr="000000"/>
                     </a:solidFill>
                     <a:latin typeface="+mn-lt"/>
                     <a:ea typeface="+mn-ea"/>
@@ -705,24 +708,24 @@
                   </a:defRPr>
                 </a:pPr>
                 <a:r>
-                  <a:rPr lang="en-US" sz="2800">
+                  <a:rPr lang="en-US" sz="2400">
                     <a:solidFill>
-                      <a:schemeClr val="tx1"/>
+                      <a:sysClr val="windowText" lastClr="000000"/>
                     </a:solidFill>
                   </a:rPr>
                   <a:t>CKD</a:t>
                 </a:r>
                 <a:r>
-                  <a:rPr lang="en-US" sz="2800" baseline="0">
+                  <a:rPr lang="en-US" sz="2400" baseline="0">
                     <a:solidFill>
-                      <a:schemeClr val="tx1"/>
+                      <a:sysClr val="windowText" lastClr="000000"/>
                     </a:solidFill>
                   </a:rPr>
                   <a:t> (%)</a:t>
                 </a:r>
-                <a:endParaRPr lang="en-US" sz="2800">
+                <a:endParaRPr lang="en-US" sz="2400">
                   <a:solidFill>
-                    <a:schemeClr val="tx1"/>
+                    <a:sysClr val="windowText" lastClr="000000"/>
                   </a:solidFill>
                 </a:endParaRPr>
               </a:p>
@@ -732,8 +735,8 @@
             <c:manualLayout>
               <c:xMode val="edge"/>
               <c:yMode val="edge"/>
-              <c:x val="1.1078999459920586E-3"/>
-              <c:y val="0.25669558102471901"/>
+              <c:x val="0"/>
+              <c:y val="0.32291637263879153"/>
             </c:manualLayout>
           </c:layout>
           <c:overlay val="0"/>
@@ -749,9 +752,9 @@
             <a:lstStyle/>
             <a:p>
               <a:pPr>
-                <a:defRPr sz="2800" b="0" i="0" u="none" strike="noStrike" kern="1200" baseline="0">
+                <a:defRPr sz="2400" b="0" i="0" u="none" strike="noStrike" kern="1200" baseline="0">
                   <a:solidFill>
-                    <a:schemeClr val="tx1"/>
+                    <a:sysClr val="windowText" lastClr="000000"/>
                   </a:solidFill>
                   <a:latin typeface="+mn-lt"/>
                   <a:ea typeface="+mn-ea"/>
@@ -778,9 +781,9 @@
           <a:lstStyle/>
           <a:p>
             <a:pPr>
-              <a:defRPr sz="2400" b="0" i="0" u="none" strike="noStrike" kern="1200" baseline="0">
+              <a:defRPr sz="2300" b="0" i="0" u="none" strike="noStrike" kern="1200" baseline="0">
                 <a:solidFill>
-                  <a:schemeClr val="tx1"/>
+                  <a:sysClr val="windowText" lastClr="000000"/>
                 </a:solidFill>
                 <a:latin typeface="+mn-lt"/>
                 <a:ea typeface="+mn-ea"/>
@@ -793,7 +796,6 @@
         <c:crossAx val="1466715232"/>
         <c:crosses val="autoZero"/>
         <c:crossBetween val="between"/>
-        <c:majorUnit val="2"/>
       </c:valAx>
       <c:spPr>
         <a:noFill/>
@@ -809,10 +811,10 @@
         <c:manualLayout>
           <c:xMode val="edge"/>
           <c:yMode val="edge"/>
-          <c:x val="5.0747924061571702E-3"/>
-          <c:y val="0.79287842129123021"/>
-          <c:w val="0.98763461529570151"/>
-          <c:h val="0.19044156292185718"/>
+          <c:x val="9.0749999999999997E-2"/>
+          <c:y val="0.92768908956173757"/>
+          <c:w val="0.89999990741898006"/>
+          <c:h val="6.4384273598764669E-2"/>
         </c:manualLayout>
       </c:layout>
       <c:overlay val="0"/>
@@ -828,9 +830,9 @@
         <a:lstStyle/>
         <a:p>
           <a:pPr>
-            <a:defRPr sz="2400" b="0" i="0" u="none" strike="noStrike" kern="1200" baseline="0">
+            <a:defRPr sz="2200" b="0" i="0" u="none" strike="noStrike" kern="1200" baseline="0">
               <a:solidFill>
-                <a:schemeClr val="tx1"/>
+                <a:sysClr val="windowText" lastClr="000000"/>
               </a:solidFill>
               <a:latin typeface="+mn-lt"/>
               <a:ea typeface="+mn-ea"/>
@@ -853,9 +855,766 @@
     <c:showDLblsOverMax val="0"/>
   </c:chart>
   <c:spPr>
-    <a:noFill/>
-    <a:ln>
+    <a:solidFill>
+      <a:schemeClr val="bg1"/>
+    </a:solidFill>
+    <a:ln w="9525" cap="flat" cmpd="sng" algn="ctr">
       <a:noFill/>
+      <a:round/>
+    </a:ln>
+    <a:effectLst/>
+  </c:spPr>
+  <c:txPr>
+    <a:bodyPr/>
+    <a:lstStyle/>
+    <a:p>
+      <a:pPr>
+        <a:defRPr/>
+      </a:pPr>
+      <a:endParaRPr lang="en-US"/>
+    </a:p>
+  </c:txPr>
+  <c:externalData r:id="rId3">
+    <c:autoUpdate val="0"/>
+  </c:externalData>
+</c:chartSpace>
+</file>
+
+<file path=ppt/charts/chart2.xml><?xml version="1.0" encoding="utf-8"?>
+<c:chartSpace xmlns:c="http://schemas.openxmlformats.org/drawingml/2006/chart" xmlns:a="http://schemas.openxmlformats.org/drawingml/2006/main" xmlns:r="http://schemas.openxmlformats.org/officeDocument/2006/relationships" xmlns:c16r2="http://schemas.microsoft.com/office/drawing/2015/06/chart">
+  <c:date1904 val="0"/>
+  <c:lang val="en-US"/>
+  <c:roundedCorners val="0"/>
+  <mc:AlternateContent xmlns:mc="http://schemas.openxmlformats.org/markup-compatibility/2006">
+    <mc:Choice xmlns:c14="http://schemas.microsoft.com/office/drawing/2007/8/2/chart" Requires="c14">
+      <c14:style val="102"/>
+    </mc:Choice>
+    <mc:Fallback>
+      <c:style val="2"/>
+    </mc:Fallback>
+  </mc:AlternateContent>
+  <c:chart>
+    <c:autoTitleDeleted val="1"/>
+    <c:plotArea>
+      <c:layout/>
+      <c:barChart>
+        <c:barDir val="col"/>
+        <c:grouping val="stacked"/>
+        <c:varyColors val="0"/>
+        <c:ser>
+          <c:idx val="0"/>
+          <c:order val="0"/>
+          <c:tx>
+            <c:strRef>
+              <c:f>Graphics!$B$28</c:f>
+              <c:strCache>
+                <c:ptCount val="1"/>
+                <c:pt idx="0">
+                  <c:v>CKD Stage 1</c:v>
+                </c:pt>
+              </c:strCache>
+            </c:strRef>
+          </c:tx>
+          <c:spPr>
+            <a:solidFill>
+              <a:srgbClr val="993366"/>
+            </a:solidFill>
+            <a:ln>
+              <a:noFill/>
+            </a:ln>
+            <a:effectLst/>
+          </c:spPr>
+          <c:invertIfNegative val="0"/>
+          <c:cat>
+            <c:strRef>
+              <c:f>Graphics!$A$29:$A$33</c:f>
+              <c:strCache>
+                <c:ptCount val="5"/>
+                <c:pt idx="0">
+                  <c:v>2001–2004</c:v>
+                </c:pt>
+                <c:pt idx="1">
+                  <c:v>2005–2008</c:v>
+                </c:pt>
+                <c:pt idx="2">
+                  <c:v>2009–2012</c:v>
+                </c:pt>
+                <c:pt idx="3">
+                  <c:v>2013–2016</c:v>
+                </c:pt>
+                <c:pt idx="4">
+                  <c:v>2017–2020</c:v>
+                </c:pt>
+              </c:strCache>
+            </c:strRef>
+          </c:cat>
+          <c:val>
+            <c:numRef>
+              <c:f>Graphics!$B$29:$B$33</c:f>
+              <c:numCache>
+                <c:formatCode>General</c:formatCode>
+                <c:ptCount val="5"/>
+                <c:pt idx="0">
+                  <c:v>4.6500000000000004</c:v>
+                </c:pt>
+                <c:pt idx="1">
+                  <c:v>4.97</c:v>
+                </c:pt>
+                <c:pt idx="2" formatCode="0.00">
+                  <c:v>4.4000000000000004</c:v>
+                </c:pt>
+                <c:pt idx="3" formatCode="0.00">
+                  <c:v>5.0999999999999996</c:v>
+                </c:pt>
+                <c:pt idx="4" formatCode="0.00">
+                  <c:v>5.84</c:v>
+                </c:pt>
+              </c:numCache>
+            </c:numRef>
+          </c:val>
+          <c:extLst>
+            <c:ext xmlns:c16="http://schemas.microsoft.com/office/drawing/2014/chart" uri="{C3380CC4-5D6E-409C-BE32-E72D297353CC}">
+              <c16:uniqueId val="{00000000-6E66-48AF-AA29-2EE6CF17D6B8}"/>
+            </c:ext>
+          </c:extLst>
+        </c:ser>
+        <c:ser>
+          <c:idx val="1"/>
+          <c:order val="1"/>
+          <c:tx>
+            <c:strRef>
+              <c:f>Graphics!$C$28</c:f>
+              <c:strCache>
+                <c:ptCount val="1"/>
+                <c:pt idx="0">
+                  <c:v>CKD Stage 2</c:v>
+                </c:pt>
+              </c:strCache>
+            </c:strRef>
+          </c:tx>
+          <c:spPr>
+            <a:solidFill>
+              <a:srgbClr val="008080"/>
+            </a:solidFill>
+            <a:ln>
+              <a:noFill/>
+            </a:ln>
+            <a:effectLst/>
+          </c:spPr>
+          <c:invertIfNegative val="0"/>
+          <c:cat>
+            <c:strRef>
+              <c:f>Graphics!$A$29:$A$33</c:f>
+              <c:strCache>
+                <c:ptCount val="5"/>
+                <c:pt idx="0">
+                  <c:v>2001–2004</c:v>
+                </c:pt>
+                <c:pt idx="1">
+                  <c:v>2005–2008</c:v>
+                </c:pt>
+                <c:pt idx="2">
+                  <c:v>2009–2012</c:v>
+                </c:pt>
+                <c:pt idx="3">
+                  <c:v>2013–2016</c:v>
+                </c:pt>
+                <c:pt idx="4">
+                  <c:v>2017–2020</c:v>
+                </c:pt>
+              </c:strCache>
+            </c:strRef>
+          </c:cat>
+          <c:val>
+            <c:numRef>
+              <c:f>Graphics!$C$29:$C$33</c:f>
+              <c:numCache>
+                <c:formatCode>General</c:formatCode>
+                <c:ptCount val="5"/>
+                <c:pt idx="0">
+                  <c:v>3.43</c:v>
+                </c:pt>
+                <c:pt idx="1">
+                  <c:v>3.24</c:v>
+                </c:pt>
+                <c:pt idx="2">
+                  <c:v>2.71</c:v>
+                </c:pt>
+                <c:pt idx="3">
+                  <c:v>3.07</c:v>
+                </c:pt>
+                <c:pt idx="4" formatCode="0.00">
+                  <c:v>2.5099999999999998</c:v>
+                </c:pt>
+              </c:numCache>
+            </c:numRef>
+          </c:val>
+          <c:extLst>
+            <c:ext xmlns:c16="http://schemas.microsoft.com/office/drawing/2014/chart" uri="{C3380CC4-5D6E-409C-BE32-E72D297353CC}">
+              <c16:uniqueId val="{00000001-6E66-48AF-AA29-2EE6CF17D6B8}"/>
+            </c:ext>
+          </c:extLst>
+        </c:ser>
+        <c:ser>
+          <c:idx val="2"/>
+          <c:order val="2"/>
+          <c:tx>
+            <c:strRef>
+              <c:f>Graphics!$D$28</c:f>
+              <c:strCache>
+                <c:ptCount val="1"/>
+                <c:pt idx="0">
+                  <c:v>CKD Stage 3a</c:v>
+                </c:pt>
+              </c:strCache>
+            </c:strRef>
+          </c:tx>
+          <c:spPr>
+            <a:solidFill>
+              <a:schemeClr val="tx1">
+                <a:lumMod val="50000"/>
+                <a:lumOff val="50000"/>
+              </a:schemeClr>
+            </a:solidFill>
+            <a:ln>
+              <a:noFill/>
+            </a:ln>
+            <a:effectLst/>
+          </c:spPr>
+          <c:invertIfNegative val="0"/>
+          <c:cat>
+            <c:strRef>
+              <c:f>Graphics!$A$29:$A$33</c:f>
+              <c:strCache>
+                <c:ptCount val="5"/>
+                <c:pt idx="0">
+                  <c:v>2001–2004</c:v>
+                </c:pt>
+                <c:pt idx="1">
+                  <c:v>2005–2008</c:v>
+                </c:pt>
+                <c:pt idx="2">
+                  <c:v>2009–2012</c:v>
+                </c:pt>
+                <c:pt idx="3">
+                  <c:v>2013–2016</c:v>
+                </c:pt>
+                <c:pt idx="4">
+                  <c:v>2017–2020</c:v>
+                </c:pt>
+              </c:strCache>
+            </c:strRef>
+          </c:cat>
+          <c:val>
+            <c:numRef>
+              <c:f>Graphics!$D$29:$D$33</c:f>
+              <c:numCache>
+                <c:formatCode>General</c:formatCode>
+                <c:ptCount val="5"/>
+                <c:pt idx="0">
+                  <c:v>4.0599999999999996</c:v>
+                </c:pt>
+                <c:pt idx="1">
+                  <c:v>3.66</c:v>
+                </c:pt>
+                <c:pt idx="2">
+                  <c:v>3.71</c:v>
+                </c:pt>
+                <c:pt idx="3">
+                  <c:v>3.66</c:v>
+                </c:pt>
+                <c:pt idx="4" formatCode="0.00">
+                  <c:v>3.56</c:v>
+                </c:pt>
+              </c:numCache>
+            </c:numRef>
+          </c:val>
+          <c:extLst>
+            <c:ext xmlns:c16="http://schemas.microsoft.com/office/drawing/2014/chart" uri="{C3380CC4-5D6E-409C-BE32-E72D297353CC}">
+              <c16:uniqueId val="{00000002-6E66-48AF-AA29-2EE6CF17D6B8}"/>
+            </c:ext>
+          </c:extLst>
+        </c:ser>
+        <c:ser>
+          <c:idx val="3"/>
+          <c:order val="3"/>
+          <c:tx>
+            <c:strRef>
+              <c:f>Graphics!$E$28</c:f>
+              <c:strCache>
+                <c:ptCount val="1"/>
+                <c:pt idx="0">
+                  <c:v>CKD Stage 3b</c:v>
+                </c:pt>
+              </c:strCache>
+            </c:strRef>
+          </c:tx>
+          <c:spPr>
+            <a:solidFill>
+              <a:schemeClr val="accent2"/>
+            </a:solidFill>
+            <a:ln>
+              <a:noFill/>
+            </a:ln>
+            <a:effectLst/>
+          </c:spPr>
+          <c:invertIfNegative val="0"/>
+          <c:cat>
+            <c:strRef>
+              <c:f>Graphics!$A$29:$A$33</c:f>
+              <c:strCache>
+                <c:ptCount val="5"/>
+                <c:pt idx="0">
+                  <c:v>2001–2004</c:v>
+                </c:pt>
+                <c:pt idx="1">
+                  <c:v>2005–2008</c:v>
+                </c:pt>
+                <c:pt idx="2">
+                  <c:v>2009–2012</c:v>
+                </c:pt>
+                <c:pt idx="3">
+                  <c:v>2013–2016</c:v>
+                </c:pt>
+                <c:pt idx="4">
+                  <c:v>2017–2020</c:v>
+                </c:pt>
+              </c:strCache>
+            </c:strRef>
+          </c:cat>
+          <c:val>
+            <c:numRef>
+              <c:f>Graphics!$E$29:$E$33</c:f>
+              <c:numCache>
+                <c:formatCode>General</c:formatCode>
+                <c:ptCount val="5"/>
+                <c:pt idx="0">
+                  <c:v>1.38</c:v>
+                </c:pt>
+                <c:pt idx="1">
+                  <c:v>1.41</c:v>
+                </c:pt>
+                <c:pt idx="2">
+                  <c:v>1.32</c:v>
+                </c:pt>
+                <c:pt idx="3">
+                  <c:v>1.37</c:v>
+                </c:pt>
+                <c:pt idx="4" formatCode="0.00">
+                  <c:v>0.98</c:v>
+                </c:pt>
+              </c:numCache>
+            </c:numRef>
+          </c:val>
+          <c:extLst>
+            <c:ext xmlns:c16="http://schemas.microsoft.com/office/drawing/2014/chart" uri="{C3380CC4-5D6E-409C-BE32-E72D297353CC}">
+              <c16:uniqueId val="{00000003-6E66-48AF-AA29-2EE6CF17D6B8}"/>
+            </c:ext>
+          </c:extLst>
+        </c:ser>
+        <c:ser>
+          <c:idx val="4"/>
+          <c:order val="4"/>
+          <c:tx>
+            <c:strRef>
+              <c:f>Graphics!$F$28</c:f>
+              <c:strCache>
+                <c:ptCount val="1"/>
+                <c:pt idx="0">
+                  <c:v>CKD Stage 4</c:v>
+                </c:pt>
+              </c:strCache>
+            </c:strRef>
+          </c:tx>
+          <c:spPr>
+            <a:solidFill>
+              <a:srgbClr val="996633"/>
+            </a:solidFill>
+            <a:ln>
+              <a:noFill/>
+            </a:ln>
+            <a:effectLst/>
+          </c:spPr>
+          <c:invertIfNegative val="0"/>
+          <c:cat>
+            <c:strRef>
+              <c:f>Graphics!$A$29:$A$33</c:f>
+              <c:strCache>
+                <c:ptCount val="5"/>
+                <c:pt idx="0">
+                  <c:v>2001–2004</c:v>
+                </c:pt>
+                <c:pt idx="1">
+                  <c:v>2005–2008</c:v>
+                </c:pt>
+                <c:pt idx="2">
+                  <c:v>2009–2012</c:v>
+                </c:pt>
+                <c:pt idx="3">
+                  <c:v>2013–2016</c:v>
+                </c:pt>
+                <c:pt idx="4">
+                  <c:v>2017–2020</c:v>
+                </c:pt>
+              </c:strCache>
+            </c:strRef>
+          </c:cat>
+          <c:val>
+            <c:numRef>
+              <c:f>Graphics!$F$29:$F$33</c:f>
+              <c:numCache>
+                <c:formatCode>General</c:formatCode>
+                <c:ptCount val="5"/>
+                <c:pt idx="0">
+                  <c:v>0.34</c:v>
+                </c:pt>
+                <c:pt idx="1">
+                  <c:v>0.38</c:v>
+                </c:pt>
+                <c:pt idx="2">
+                  <c:v>0.43</c:v>
+                </c:pt>
+                <c:pt idx="3">
+                  <c:v>0.32</c:v>
+                </c:pt>
+                <c:pt idx="4" formatCode="0.00">
+                  <c:v>0.31</c:v>
+                </c:pt>
+              </c:numCache>
+            </c:numRef>
+          </c:val>
+          <c:extLst>
+            <c:ext xmlns:c16="http://schemas.microsoft.com/office/drawing/2014/chart" uri="{C3380CC4-5D6E-409C-BE32-E72D297353CC}">
+              <c16:uniqueId val="{00000004-6E66-48AF-AA29-2EE6CF17D6B8}"/>
+            </c:ext>
+          </c:extLst>
+        </c:ser>
+        <c:ser>
+          <c:idx val="5"/>
+          <c:order val="5"/>
+          <c:tx>
+            <c:strRef>
+              <c:f>Graphics!$G$28</c:f>
+              <c:strCache>
+                <c:ptCount val="1"/>
+                <c:pt idx="0">
+                  <c:v>CKD Stage 5*</c:v>
+                </c:pt>
+              </c:strCache>
+            </c:strRef>
+          </c:tx>
+          <c:spPr>
+            <a:solidFill>
+              <a:schemeClr val="tx1"/>
+            </a:solidFill>
+            <a:ln>
+              <a:noFill/>
+            </a:ln>
+            <a:effectLst/>
+          </c:spPr>
+          <c:invertIfNegative val="0"/>
+          <c:cat>
+            <c:strRef>
+              <c:f>Graphics!$A$29:$A$33</c:f>
+              <c:strCache>
+                <c:ptCount val="5"/>
+                <c:pt idx="0">
+                  <c:v>2001–2004</c:v>
+                </c:pt>
+                <c:pt idx="1">
+                  <c:v>2005–2008</c:v>
+                </c:pt>
+                <c:pt idx="2">
+                  <c:v>2009–2012</c:v>
+                </c:pt>
+                <c:pt idx="3">
+                  <c:v>2013–2016</c:v>
+                </c:pt>
+                <c:pt idx="4">
+                  <c:v>2017–2020</c:v>
+                </c:pt>
+              </c:strCache>
+            </c:strRef>
+          </c:cat>
+          <c:val>
+            <c:numRef>
+              <c:f>Graphics!$G$29:$G$33</c:f>
+              <c:numCache>
+                <c:formatCode>General</c:formatCode>
+                <c:ptCount val="5"/>
+                <c:pt idx="1">
+                  <c:v>0.08</c:v>
+                </c:pt>
+                <c:pt idx="2">
+                  <c:v>0.18</c:v>
+                </c:pt>
+                <c:pt idx="3">
+                  <c:v>0.13</c:v>
+                </c:pt>
+                <c:pt idx="4" formatCode="0.00">
+                  <c:v>0.14000000000000001</c:v>
+                </c:pt>
+              </c:numCache>
+            </c:numRef>
+          </c:val>
+          <c:extLst>
+            <c:ext xmlns:c16="http://schemas.microsoft.com/office/drawing/2014/chart" uri="{C3380CC4-5D6E-409C-BE32-E72D297353CC}">
+              <c16:uniqueId val="{00000005-6E66-48AF-AA29-2EE6CF17D6B8}"/>
+            </c:ext>
+          </c:extLst>
+        </c:ser>
+        <c:dLbls>
+          <c:showLegendKey val="0"/>
+          <c:showVal val="0"/>
+          <c:showCatName val="0"/>
+          <c:showSerName val="0"/>
+          <c:showPercent val="0"/>
+          <c:showBubbleSize val="0"/>
+        </c:dLbls>
+        <c:gapWidth val="150"/>
+        <c:overlap val="100"/>
+        <c:axId val="1567592768"/>
+        <c:axId val="1567606912"/>
+      </c:barChart>
+      <c:catAx>
+        <c:axId val="1567592768"/>
+        <c:scaling>
+          <c:orientation val="minMax"/>
+        </c:scaling>
+        <c:delete val="0"/>
+        <c:axPos val="b"/>
+        <c:numFmt formatCode="General" sourceLinked="1"/>
+        <c:majorTickMark val="none"/>
+        <c:minorTickMark val="none"/>
+        <c:tickLblPos val="nextTo"/>
+        <c:spPr>
+          <a:noFill/>
+          <a:ln w="9525" cap="flat" cmpd="sng" algn="ctr">
+            <a:solidFill>
+              <a:schemeClr val="tx1">
+                <a:lumMod val="15000"/>
+                <a:lumOff val="85000"/>
+              </a:schemeClr>
+            </a:solidFill>
+            <a:round/>
+          </a:ln>
+          <a:effectLst/>
+        </c:spPr>
+        <c:txPr>
+          <a:bodyPr rot="-60000000" spcFirstLastPara="1" vertOverflow="ellipsis" vert="horz" wrap="square" anchor="ctr" anchorCtr="1"/>
+          <a:lstStyle/>
+          <a:p>
+            <a:pPr>
+              <a:defRPr sz="2300" b="0" i="0" u="none" strike="noStrike" kern="1200" baseline="0">
+                <a:solidFill>
+                  <a:sysClr val="windowText" lastClr="000000"/>
+                </a:solidFill>
+                <a:latin typeface="+mn-lt"/>
+                <a:ea typeface="+mn-ea"/>
+                <a:cs typeface="+mn-cs"/>
+              </a:defRPr>
+            </a:pPr>
+            <a:endParaRPr lang="en-US"/>
+          </a:p>
+        </c:txPr>
+        <c:crossAx val="1567606912"/>
+        <c:crosses val="autoZero"/>
+        <c:auto val="1"/>
+        <c:lblAlgn val="ctr"/>
+        <c:lblOffset val="100"/>
+        <c:noMultiLvlLbl val="0"/>
+      </c:catAx>
+      <c:valAx>
+        <c:axId val="1567606912"/>
+        <c:scaling>
+          <c:orientation val="minMax"/>
+        </c:scaling>
+        <c:delete val="0"/>
+        <c:axPos val="l"/>
+        <c:majorGridlines>
+          <c:spPr>
+            <a:ln w="9525" cap="flat" cmpd="sng" algn="ctr">
+              <a:solidFill>
+                <a:schemeClr val="tx1">
+                  <a:lumMod val="15000"/>
+                  <a:lumOff val="85000"/>
+                </a:schemeClr>
+              </a:solidFill>
+              <a:round/>
+            </a:ln>
+            <a:effectLst/>
+          </c:spPr>
+        </c:majorGridlines>
+        <c:title>
+          <c:tx>
+            <c:rich>
+              <a:bodyPr rot="-5400000" spcFirstLastPara="1" vertOverflow="ellipsis" vert="horz" wrap="square" anchor="ctr" anchorCtr="1"/>
+              <a:lstStyle/>
+              <a:p>
+                <a:pPr>
+                  <a:defRPr sz="2400" b="0" i="0" u="none" strike="noStrike" kern="1200" baseline="0">
+                    <a:solidFill>
+                      <a:sysClr val="windowText" lastClr="000000"/>
+                    </a:solidFill>
+                    <a:latin typeface="+mn-lt"/>
+                    <a:ea typeface="+mn-ea"/>
+                    <a:cs typeface="+mn-cs"/>
+                  </a:defRPr>
+                </a:pPr>
+                <a:r>
+                  <a:rPr lang="en-US" sz="2400">
+                    <a:solidFill>
+                      <a:sysClr val="windowText" lastClr="000000"/>
+                    </a:solidFill>
+                  </a:rPr>
+                  <a:t>CKD</a:t>
+                </a:r>
+                <a:r>
+                  <a:rPr lang="en-US" sz="2400" baseline="0">
+                    <a:solidFill>
+                      <a:sysClr val="windowText" lastClr="000000"/>
+                    </a:solidFill>
+                  </a:rPr>
+                  <a:t> (%)</a:t>
+                </a:r>
+                <a:endParaRPr lang="en-US" sz="2400">
+                  <a:solidFill>
+                    <a:sysClr val="windowText" lastClr="000000"/>
+                  </a:solidFill>
+                </a:endParaRPr>
+              </a:p>
+            </c:rich>
+          </c:tx>
+          <c:layout>
+            <c:manualLayout>
+              <c:xMode val="edge"/>
+              <c:yMode val="edge"/>
+              <c:x val="1.4927821522309711E-4"/>
+              <c:y val="0.31503153296066588"/>
+            </c:manualLayout>
+          </c:layout>
+          <c:overlay val="0"/>
+          <c:spPr>
+            <a:noFill/>
+            <a:ln>
+              <a:noFill/>
+            </a:ln>
+            <a:effectLst/>
+          </c:spPr>
+          <c:txPr>
+            <a:bodyPr rot="-5400000" spcFirstLastPara="1" vertOverflow="ellipsis" vert="horz" wrap="square" anchor="ctr" anchorCtr="1"/>
+            <a:lstStyle/>
+            <a:p>
+              <a:pPr>
+                <a:defRPr sz="2400" b="0" i="0" u="none" strike="noStrike" kern="1200" baseline="0">
+                  <a:solidFill>
+                    <a:sysClr val="windowText" lastClr="000000"/>
+                  </a:solidFill>
+                  <a:latin typeface="+mn-lt"/>
+                  <a:ea typeface="+mn-ea"/>
+                  <a:cs typeface="+mn-cs"/>
+                </a:defRPr>
+              </a:pPr>
+              <a:endParaRPr lang="en-US"/>
+            </a:p>
+          </c:txPr>
+        </c:title>
+        <c:numFmt formatCode="General" sourceLinked="1"/>
+        <c:majorTickMark val="none"/>
+        <c:minorTickMark val="none"/>
+        <c:tickLblPos val="nextTo"/>
+        <c:spPr>
+          <a:noFill/>
+          <a:ln>
+            <a:noFill/>
+          </a:ln>
+          <a:effectLst/>
+        </c:spPr>
+        <c:txPr>
+          <a:bodyPr rot="-60000000" spcFirstLastPara="1" vertOverflow="ellipsis" vert="horz" wrap="square" anchor="ctr" anchorCtr="1"/>
+          <a:lstStyle/>
+          <a:p>
+            <a:pPr>
+              <a:defRPr sz="2300" b="0" i="0" u="none" strike="noStrike" kern="1200" baseline="0">
+                <a:solidFill>
+                  <a:sysClr val="windowText" lastClr="000000"/>
+                </a:solidFill>
+                <a:latin typeface="+mn-lt"/>
+                <a:ea typeface="+mn-ea"/>
+                <a:cs typeface="+mn-cs"/>
+              </a:defRPr>
+            </a:pPr>
+            <a:endParaRPr lang="en-US"/>
+          </a:p>
+        </c:txPr>
+        <c:crossAx val="1567592768"/>
+        <c:crosses val="autoZero"/>
+        <c:crossBetween val="between"/>
+      </c:valAx>
+      <c:spPr>
+        <a:noFill/>
+        <a:ln>
+          <a:noFill/>
+        </a:ln>
+        <a:effectLst/>
+      </c:spPr>
+    </c:plotArea>
+    <c:legend>
+      <c:legendPos val="b"/>
+      <c:layout>
+        <c:manualLayout>
+          <c:xMode val="edge"/>
+          <c:yMode val="edge"/>
+          <c:x val="8.8881889763779531E-2"/>
+          <c:y val="0.91975607635654577"/>
+          <c:w val="0.9"/>
+          <c:h val="7.8125546806649168E-2"/>
+        </c:manualLayout>
+      </c:layout>
+      <c:overlay val="0"/>
+      <c:spPr>
+        <a:noFill/>
+        <a:ln>
+          <a:noFill/>
+        </a:ln>
+        <a:effectLst/>
+      </c:spPr>
+      <c:txPr>
+        <a:bodyPr rot="0" spcFirstLastPara="1" vertOverflow="ellipsis" vert="horz" wrap="square" anchor="ctr" anchorCtr="1"/>
+        <a:lstStyle/>
+        <a:p>
+          <a:pPr>
+            <a:defRPr sz="2200" b="0" i="0" u="none" strike="noStrike" kern="1200" baseline="0">
+              <a:solidFill>
+                <a:sysClr val="windowText" lastClr="000000"/>
+              </a:solidFill>
+              <a:latin typeface="+mn-lt"/>
+              <a:ea typeface="+mn-ea"/>
+              <a:cs typeface="+mn-cs"/>
+            </a:defRPr>
+          </a:pPr>
+          <a:endParaRPr lang="en-US"/>
+        </a:p>
+      </c:txPr>
+    </c:legend>
+    <c:plotVisOnly val="1"/>
+    <c:dispBlanksAs val="gap"/>
+    <c:extLst>
+      <c:ext xmlns:c16r3="http://schemas.microsoft.com/office/drawing/2017/03/chart" uri="{56B9EC1D-385E-4148-901F-78D8002777C0}">
+        <c16r3:dataDisplayOptions16>
+          <c16r3:dispNaAsBlank val="1"/>
+        </c16r3:dataDisplayOptions16>
+      </c:ext>
+    </c:extLst>
+    <c:showDLblsOverMax val="0"/>
+  </c:chart>
+  <c:spPr>
+    <a:solidFill>
+      <a:schemeClr val="bg1"/>
+    </a:solidFill>
+    <a:ln w="9525" cap="flat" cmpd="sng" algn="ctr">
+      <a:noFill/>
+      <a:round/>
     </a:ln>
     <a:effectLst/>
   </c:spPr>
@@ -876,6 +1635,46 @@
 </file>
 
 <file path=ppt/charts/colors1.xml><?xml version="1.0" encoding="utf-8"?>
+<cs:colorStyle xmlns:cs="http://schemas.microsoft.com/office/drawing/2012/chartStyle" xmlns:a="http://schemas.openxmlformats.org/drawingml/2006/main" meth="cycle" id="10">
+  <a:schemeClr val="accent1"/>
+  <a:schemeClr val="accent2"/>
+  <a:schemeClr val="accent3"/>
+  <a:schemeClr val="accent4"/>
+  <a:schemeClr val="accent5"/>
+  <a:schemeClr val="accent6"/>
+  <cs:variation/>
+  <cs:variation>
+    <a:lumMod val="60000"/>
+  </cs:variation>
+  <cs:variation>
+    <a:lumMod val="80000"/>
+    <a:lumOff val="20000"/>
+  </cs:variation>
+  <cs:variation>
+    <a:lumMod val="80000"/>
+  </cs:variation>
+  <cs:variation>
+    <a:lumMod val="60000"/>
+    <a:lumOff val="40000"/>
+  </cs:variation>
+  <cs:variation>
+    <a:lumMod val="50000"/>
+  </cs:variation>
+  <cs:variation>
+    <a:lumMod val="70000"/>
+    <a:lumOff val="30000"/>
+  </cs:variation>
+  <cs:variation>
+    <a:lumMod val="70000"/>
+  </cs:variation>
+  <cs:variation>
+    <a:lumMod val="50000"/>
+    <a:lumOff val="50000"/>
+  </cs:variation>
+</cs:colorStyle>
+</file>
+
+<file path=ppt/charts/colors2.xml><?xml version="1.0" encoding="utf-8"?>
 <cs:colorStyle xmlns:cs="http://schemas.microsoft.com/office/drawing/2012/chartStyle" xmlns:a="http://schemas.openxmlformats.org/drawingml/2006/main" meth="cycle" id="10">
   <a:schemeClr val="accent1"/>
   <a:schemeClr val="accent2"/>
@@ -1418,6 +2217,511 @@
 </cs:chartStyle>
 </file>
 
+<file path=ppt/charts/style2.xml><?xml version="1.0" encoding="utf-8"?>
+<cs:chartStyle xmlns:cs="http://schemas.microsoft.com/office/drawing/2012/chartStyle" xmlns:a="http://schemas.openxmlformats.org/drawingml/2006/main" id="297">
+  <cs:axisTitle>
+    <cs:lnRef idx="0"/>
+    <cs:fillRef idx="0"/>
+    <cs:effectRef idx="0"/>
+    <cs:fontRef idx="minor">
+      <a:schemeClr val="tx1">
+        <a:lumMod val="65000"/>
+        <a:lumOff val="35000"/>
+      </a:schemeClr>
+    </cs:fontRef>
+    <cs:defRPr sz="1000" kern="1200"/>
+  </cs:axisTitle>
+  <cs:categoryAxis>
+    <cs:lnRef idx="0"/>
+    <cs:fillRef idx="0"/>
+    <cs:effectRef idx="0"/>
+    <cs:fontRef idx="minor">
+      <a:schemeClr val="tx1">
+        <a:lumMod val="65000"/>
+        <a:lumOff val="35000"/>
+      </a:schemeClr>
+    </cs:fontRef>
+    <cs:spPr>
+      <a:ln w="9525" cap="flat" cmpd="sng" algn="ctr">
+        <a:solidFill>
+          <a:schemeClr val="tx1">
+            <a:lumMod val="15000"/>
+            <a:lumOff val="85000"/>
+          </a:schemeClr>
+        </a:solidFill>
+        <a:round/>
+      </a:ln>
+    </cs:spPr>
+    <cs:defRPr sz="900" kern="1200"/>
+  </cs:categoryAxis>
+  <cs:chartArea mods="allowNoFillOverride allowNoLineOverride">
+    <cs:lnRef idx="0"/>
+    <cs:fillRef idx="0"/>
+    <cs:effectRef idx="0"/>
+    <cs:fontRef idx="minor">
+      <a:schemeClr val="tx1"/>
+    </cs:fontRef>
+    <cs:spPr>
+      <a:solidFill>
+        <a:schemeClr val="bg1"/>
+      </a:solidFill>
+      <a:ln w="9525" cap="flat" cmpd="sng" algn="ctr">
+        <a:solidFill>
+          <a:schemeClr val="tx1">
+            <a:lumMod val="15000"/>
+            <a:lumOff val="85000"/>
+          </a:schemeClr>
+        </a:solidFill>
+        <a:round/>
+      </a:ln>
+    </cs:spPr>
+    <cs:defRPr sz="1000" kern="1200"/>
+  </cs:chartArea>
+  <cs:dataLabel>
+    <cs:lnRef idx="0"/>
+    <cs:fillRef idx="0"/>
+    <cs:effectRef idx="0"/>
+    <cs:fontRef idx="minor">
+      <a:schemeClr val="tx1">
+        <a:lumMod val="75000"/>
+        <a:lumOff val="25000"/>
+      </a:schemeClr>
+    </cs:fontRef>
+    <cs:defRPr sz="900" kern="1200"/>
+  </cs:dataLabel>
+  <cs:dataLabelCallout>
+    <cs:lnRef idx="0"/>
+    <cs:fillRef idx="0"/>
+    <cs:effectRef idx="0"/>
+    <cs:fontRef idx="minor">
+      <a:schemeClr val="dk1">
+        <a:lumMod val="65000"/>
+        <a:lumOff val="35000"/>
+      </a:schemeClr>
+    </cs:fontRef>
+    <cs:spPr>
+      <a:solidFill>
+        <a:schemeClr val="lt1"/>
+      </a:solidFill>
+      <a:ln>
+        <a:solidFill>
+          <a:schemeClr val="dk1">
+            <a:lumMod val="25000"/>
+            <a:lumOff val="75000"/>
+          </a:schemeClr>
+        </a:solidFill>
+      </a:ln>
+    </cs:spPr>
+    <cs:defRPr sz="900" kern="1200"/>
+    <cs:bodyPr rot="0" spcFirstLastPara="1" vertOverflow="clip" horzOverflow="clip" vert="horz" wrap="square" lIns="36576" tIns="18288" rIns="36576" bIns="18288" anchor="ctr" anchorCtr="1">
+      <a:spAutoFit/>
+    </cs:bodyPr>
+  </cs:dataLabelCallout>
+  <cs:dataPoint>
+    <cs:lnRef idx="0"/>
+    <cs:fillRef idx="1">
+      <cs:styleClr val="auto"/>
+    </cs:fillRef>
+    <cs:effectRef idx="0"/>
+    <cs:fontRef idx="minor">
+      <a:schemeClr val="tx1"/>
+    </cs:fontRef>
+  </cs:dataPoint>
+  <cs:dataPoint3D>
+    <cs:lnRef idx="0"/>
+    <cs:fillRef idx="1">
+      <cs:styleClr val="auto"/>
+    </cs:fillRef>
+    <cs:effectRef idx="0"/>
+    <cs:fontRef idx="minor">
+      <a:schemeClr val="tx1"/>
+    </cs:fontRef>
+  </cs:dataPoint3D>
+  <cs:dataPointLine>
+    <cs:lnRef idx="0">
+      <cs:styleClr val="auto"/>
+    </cs:lnRef>
+    <cs:fillRef idx="1"/>
+    <cs:effectRef idx="0"/>
+    <cs:fontRef idx="minor">
+      <a:schemeClr val="tx1"/>
+    </cs:fontRef>
+    <cs:spPr>
+      <a:ln w="28575" cap="rnd">
+        <a:solidFill>
+          <a:schemeClr val="phClr"/>
+        </a:solidFill>
+        <a:round/>
+      </a:ln>
+    </cs:spPr>
+  </cs:dataPointLine>
+  <cs:dataPointMarker>
+    <cs:lnRef idx="0">
+      <cs:styleClr val="auto"/>
+    </cs:lnRef>
+    <cs:fillRef idx="1">
+      <cs:styleClr val="auto"/>
+    </cs:fillRef>
+    <cs:effectRef idx="0"/>
+    <cs:fontRef idx="minor">
+      <a:schemeClr val="tx1"/>
+    </cs:fontRef>
+    <cs:spPr>
+      <a:ln w="9525">
+        <a:solidFill>
+          <a:schemeClr val="phClr"/>
+        </a:solidFill>
+      </a:ln>
+    </cs:spPr>
+  </cs:dataPointMarker>
+  <cs:dataPointMarkerLayout symbol="circle" size="5"/>
+  <cs:dataPointWireframe>
+    <cs:lnRef idx="0">
+      <cs:styleClr val="auto"/>
+    </cs:lnRef>
+    <cs:fillRef idx="1"/>
+    <cs:effectRef idx="0"/>
+    <cs:fontRef idx="minor">
+      <a:schemeClr val="tx1"/>
+    </cs:fontRef>
+    <cs:spPr>
+      <a:ln w="9525" cap="rnd">
+        <a:solidFill>
+          <a:schemeClr val="phClr"/>
+        </a:solidFill>
+        <a:round/>
+      </a:ln>
+    </cs:spPr>
+  </cs:dataPointWireframe>
+  <cs:dataTable>
+    <cs:lnRef idx="0"/>
+    <cs:fillRef idx="0"/>
+    <cs:effectRef idx="0"/>
+    <cs:fontRef idx="minor">
+      <a:schemeClr val="tx1">
+        <a:lumMod val="65000"/>
+        <a:lumOff val="35000"/>
+      </a:schemeClr>
+    </cs:fontRef>
+    <cs:spPr>
+      <a:noFill/>
+      <a:ln w="9525" cap="flat" cmpd="sng" algn="ctr">
+        <a:solidFill>
+          <a:schemeClr val="tx1">
+            <a:lumMod val="15000"/>
+            <a:lumOff val="85000"/>
+          </a:schemeClr>
+        </a:solidFill>
+        <a:round/>
+      </a:ln>
+    </cs:spPr>
+    <cs:defRPr sz="900" kern="1200"/>
+  </cs:dataTable>
+  <cs:downBar>
+    <cs:lnRef idx="0"/>
+    <cs:fillRef idx="0"/>
+    <cs:effectRef idx="0"/>
+    <cs:fontRef idx="minor">
+      <a:schemeClr val="tx1"/>
+    </cs:fontRef>
+    <cs:spPr>
+      <a:solidFill>
+        <a:schemeClr val="dk1">
+          <a:lumMod val="75000"/>
+          <a:lumOff val="25000"/>
+        </a:schemeClr>
+      </a:solidFill>
+      <a:ln w="9525" cap="flat" cmpd="sng" algn="ctr">
+        <a:solidFill>
+          <a:schemeClr val="tx1">
+            <a:lumMod val="65000"/>
+            <a:lumOff val="35000"/>
+          </a:schemeClr>
+        </a:solidFill>
+        <a:round/>
+      </a:ln>
+    </cs:spPr>
+  </cs:downBar>
+  <cs:dropLine>
+    <cs:lnRef idx="0"/>
+    <cs:fillRef idx="0"/>
+    <cs:effectRef idx="0"/>
+    <cs:fontRef idx="minor">
+      <a:schemeClr val="tx1"/>
+    </cs:fontRef>
+    <cs:spPr>
+      <a:ln w="9525" cap="flat" cmpd="sng" algn="ctr">
+        <a:solidFill>
+          <a:schemeClr val="tx1">
+            <a:lumMod val="35000"/>
+            <a:lumOff val="65000"/>
+          </a:schemeClr>
+        </a:solidFill>
+        <a:round/>
+      </a:ln>
+    </cs:spPr>
+  </cs:dropLine>
+  <cs:errorBar>
+    <cs:lnRef idx="0"/>
+    <cs:fillRef idx="0"/>
+    <cs:effectRef idx="0"/>
+    <cs:fontRef idx="minor">
+      <a:schemeClr val="tx1"/>
+    </cs:fontRef>
+    <cs:spPr>
+      <a:ln w="9525" cap="flat" cmpd="sng" algn="ctr">
+        <a:solidFill>
+          <a:schemeClr val="tx1">
+            <a:lumMod val="65000"/>
+            <a:lumOff val="35000"/>
+          </a:schemeClr>
+        </a:solidFill>
+        <a:round/>
+      </a:ln>
+    </cs:spPr>
+  </cs:errorBar>
+  <cs:floor>
+    <cs:lnRef idx="0"/>
+    <cs:fillRef idx="0"/>
+    <cs:effectRef idx="0"/>
+    <cs:fontRef idx="minor">
+      <a:schemeClr val="tx1"/>
+    </cs:fontRef>
+    <cs:spPr>
+      <a:noFill/>
+      <a:ln>
+        <a:noFill/>
+      </a:ln>
+    </cs:spPr>
+  </cs:floor>
+  <cs:gridlineMajor>
+    <cs:lnRef idx="0"/>
+    <cs:fillRef idx="0"/>
+    <cs:effectRef idx="0"/>
+    <cs:fontRef idx="minor">
+      <a:schemeClr val="tx1"/>
+    </cs:fontRef>
+    <cs:spPr>
+      <a:ln w="9525" cap="flat" cmpd="sng" algn="ctr">
+        <a:solidFill>
+          <a:schemeClr val="tx1">
+            <a:lumMod val="15000"/>
+            <a:lumOff val="85000"/>
+          </a:schemeClr>
+        </a:solidFill>
+        <a:round/>
+      </a:ln>
+    </cs:spPr>
+  </cs:gridlineMajor>
+  <cs:gridlineMinor>
+    <cs:lnRef idx="0"/>
+    <cs:fillRef idx="0"/>
+    <cs:effectRef idx="0"/>
+    <cs:fontRef idx="minor">
+      <a:schemeClr val="tx1"/>
+    </cs:fontRef>
+    <cs:spPr>
+      <a:ln w="9525" cap="flat" cmpd="sng" algn="ctr">
+        <a:solidFill>
+          <a:schemeClr val="tx1">
+            <a:lumMod val="5000"/>
+            <a:lumOff val="95000"/>
+          </a:schemeClr>
+        </a:solidFill>
+        <a:round/>
+      </a:ln>
+    </cs:spPr>
+  </cs:gridlineMinor>
+  <cs:hiLoLine>
+    <cs:lnRef idx="0"/>
+    <cs:fillRef idx="0"/>
+    <cs:effectRef idx="0"/>
+    <cs:fontRef idx="minor">
+      <a:schemeClr val="tx1"/>
+    </cs:fontRef>
+    <cs:spPr>
+      <a:ln w="9525" cap="flat" cmpd="sng" algn="ctr">
+        <a:solidFill>
+          <a:schemeClr val="tx1">
+            <a:lumMod val="50000"/>
+            <a:lumOff val="50000"/>
+          </a:schemeClr>
+        </a:solidFill>
+        <a:round/>
+      </a:ln>
+    </cs:spPr>
+  </cs:hiLoLine>
+  <cs:leaderLine>
+    <cs:lnRef idx="0"/>
+    <cs:fillRef idx="0"/>
+    <cs:effectRef idx="0"/>
+    <cs:fontRef idx="minor">
+      <a:schemeClr val="tx1"/>
+    </cs:fontRef>
+    <cs:spPr>
+      <a:ln w="9525" cap="flat" cmpd="sng" algn="ctr">
+        <a:solidFill>
+          <a:schemeClr val="tx1">
+            <a:lumMod val="35000"/>
+            <a:lumOff val="65000"/>
+          </a:schemeClr>
+        </a:solidFill>
+        <a:round/>
+      </a:ln>
+    </cs:spPr>
+  </cs:leaderLine>
+  <cs:legend>
+    <cs:lnRef idx="0"/>
+    <cs:fillRef idx="0"/>
+    <cs:effectRef idx="0"/>
+    <cs:fontRef idx="minor">
+      <a:schemeClr val="tx1">
+        <a:lumMod val="65000"/>
+        <a:lumOff val="35000"/>
+      </a:schemeClr>
+    </cs:fontRef>
+    <cs:defRPr sz="900" kern="1200"/>
+  </cs:legend>
+  <cs:plotArea mods="allowNoFillOverride allowNoLineOverride">
+    <cs:lnRef idx="0"/>
+    <cs:fillRef idx="0"/>
+    <cs:effectRef idx="0"/>
+    <cs:fontRef idx="minor">
+      <a:schemeClr val="tx1"/>
+    </cs:fontRef>
+  </cs:plotArea>
+  <cs:plotArea3D mods="allowNoFillOverride allowNoLineOverride">
+    <cs:lnRef idx="0"/>
+    <cs:fillRef idx="0"/>
+    <cs:effectRef idx="0"/>
+    <cs:fontRef idx="minor">
+      <a:schemeClr val="tx1"/>
+    </cs:fontRef>
+  </cs:plotArea3D>
+  <cs:seriesAxis>
+    <cs:lnRef idx="0"/>
+    <cs:fillRef idx="0"/>
+    <cs:effectRef idx="0"/>
+    <cs:fontRef idx="minor">
+      <a:schemeClr val="tx1">
+        <a:lumMod val="65000"/>
+        <a:lumOff val="35000"/>
+      </a:schemeClr>
+    </cs:fontRef>
+    <cs:defRPr sz="900" kern="1200"/>
+  </cs:seriesAxis>
+  <cs:seriesLine>
+    <cs:lnRef idx="0"/>
+    <cs:fillRef idx="0"/>
+    <cs:effectRef idx="0"/>
+    <cs:fontRef idx="minor">
+      <a:schemeClr val="tx1"/>
+    </cs:fontRef>
+    <cs:spPr>
+      <a:ln w="9525" cap="flat" cmpd="sng" algn="ctr">
+        <a:solidFill>
+          <a:schemeClr val="tx1">
+            <a:lumMod val="35000"/>
+            <a:lumOff val="65000"/>
+          </a:schemeClr>
+        </a:solidFill>
+        <a:round/>
+      </a:ln>
+    </cs:spPr>
+  </cs:seriesLine>
+  <cs:title>
+    <cs:lnRef idx="0"/>
+    <cs:fillRef idx="0"/>
+    <cs:effectRef idx="0"/>
+    <cs:fontRef idx="minor">
+      <a:schemeClr val="tx1">
+        <a:lumMod val="65000"/>
+        <a:lumOff val="35000"/>
+      </a:schemeClr>
+    </cs:fontRef>
+    <cs:defRPr sz="1400" b="0" kern="1200" spc="0" baseline="0"/>
+  </cs:title>
+  <cs:trendline>
+    <cs:lnRef idx="0">
+      <cs:styleClr val="auto"/>
+    </cs:lnRef>
+    <cs:fillRef idx="0"/>
+    <cs:effectRef idx="0"/>
+    <cs:fontRef idx="minor">
+      <a:schemeClr val="tx1"/>
+    </cs:fontRef>
+    <cs:spPr>
+      <a:ln w="19050" cap="rnd">
+        <a:solidFill>
+          <a:schemeClr val="phClr"/>
+        </a:solidFill>
+        <a:prstDash val="sysDot"/>
+      </a:ln>
+    </cs:spPr>
+  </cs:trendline>
+  <cs:trendlineLabel>
+    <cs:lnRef idx="0"/>
+    <cs:fillRef idx="0"/>
+    <cs:effectRef idx="0"/>
+    <cs:fontRef idx="minor">
+      <a:schemeClr val="tx1">
+        <a:lumMod val="65000"/>
+        <a:lumOff val="35000"/>
+      </a:schemeClr>
+    </cs:fontRef>
+    <cs:defRPr sz="900" kern="1200"/>
+  </cs:trendlineLabel>
+  <cs:upBar>
+    <cs:lnRef idx="0"/>
+    <cs:fillRef idx="0"/>
+    <cs:effectRef idx="0"/>
+    <cs:fontRef idx="minor">
+      <a:schemeClr val="tx1"/>
+    </cs:fontRef>
+    <cs:spPr>
+      <a:solidFill>
+        <a:schemeClr val="lt1"/>
+      </a:solidFill>
+      <a:ln w="9525" cap="flat" cmpd="sng" algn="ctr">
+        <a:solidFill>
+          <a:schemeClr val="tx1">
+            <a:lumMod val="65000"/>
+            <a:lumOff val="35000"/>
+          </a:schemeClr>
+        </a:solidFill>
+        <a:round/>
+      </a:ln>
+    </cs:spPr>
+  </cs:upBar>
+  <cs:valueAxis>
+    <cs:lnRef idx="0"/>
+    <cs:fillRef idx="0"/>
+    <cs:effectRef idx="0"/>
+    <cs:fontRef idx="minor">
+      <a:schemeClr val="tx1">
+        <a:lumMod val="65000"/>
+        <a:lumOff val="35000"/>
+      </a:schemeClr>
+    </cs:fontRef>
+    <cs:defRPr sz="900" kern="1200"/>
+  </cs:valueAxis>
+  <cs:wall>
+    <cs:lnRef idx="0"/>
+    <cs:fillRef idx="0"/>
+    <cs:effectRef idx="0"/>
+    <cs:fontRef idx="minor">
+      <a:schemeClr val="tx1"/>
+    </cs:fontRef>
+    <cs:spPr>
+      <a:noFill/>
+      <a:ln>
+        <a:noFill/>
+      </a:ln>
+    </cs:spPr>
+  </cs:wall>
+</cs:chartStyle>
+</file>
+
 <file path=ppt/slideLayouts/slideLayout1.xml><?xml version="1.0" encoding="utf-8"?>
 <p:sldLayout xmlns:a="http://schemas.openxmlformats.org/drawingml/2006/main" xmlns:r="http://schemas.openxmlformats.org/officeDocument/2006/relationships" xmlns:p="http://schemas.openxmlformats.org/presentationml/2006/main" type="title" preserve="1">
   <p:cSld name="Title Slide">
@@ -1547,7 +2851,7 @@
           <a:p>
             <a:fld id="{FEC8F623-83FF-45D9-9165-1796CF17F145}" type="datetimeFigureOut">
               <a:rPr lang="en-US" smtClean="0"/>
-              <a:t>10/19/2023</a:t>
+              <a:t>8/6/2024</a:t>
             </a:fld>
             <a:endParaRPr lang="en-US"/>
           </a:p>
@@ -1715,7 +3019,7 @@
           <a:p>
             <a:fld id="{FEC8F623-83FF-45D9-9165-1796CF17F145}" type="datetimeFigureOut">
               <a:rPr lang="en-US" smtClean="0"/>
-              <a:t>10/19/2023</a:t>
+              <a:t>8/6/2024</a:t>
             </a:fld>
             <a:endParaRPr lang="en-US"/>
           </a:p>
@@ -1893,7 +3197,7 @@
           <a:p>
             <a:fld id="{FEC8F623-83FF-45D9-9165-1796CF17F145}" type="datetimeFigureOut">
               <a:rPr lang="en-US" smtClean="0"/>
-              <a:t>10/19/2023</a:t>
+              <a:t>8/6/2024</a:t>
             </a:fld>
             <a:endParaRPr lang="en-US"/>
           </a:p>
@@ -2061,7 +3365,7 @@
           <a:p>
             <a:fld id="{FEC8F623-83FF-45D9-9165-1796CF17F145}" type="datetimeFigureOut">
               <a:rPr lang="en-US" smtClean="0"/>
-              <a:t>10/19/2023</a:t>
+              <a:t>8/6/2024</a:t>
             </a:fld>
             <a:endParaRPr lang="en-US"/>
           </a:p>
@@ -2341,7 +3645,7 @@
           <a:p>
             <a:fld id="{FEC8F623-83FF-45D9-9165-1796CF17F145}" type="datetimeFigureOut">
               <a:rPr lang="en-US" smtClean="0"/>
-              <a:t>10/19/2023</a:t>
+              <a:t>8/6/2024</a:t>
             </a:fld>
             <a:endParaRPr lang="en-US"/>
           </a:p>
@@ -2594,7 +3898,7 @@
           <a:p>
             <a:fld id="{FEC8F623-83FF-45D9-9165-1796CF17F145}" type="datetimeFigureOut">
               <a:rPr lang="en-US" smtClean="0"/>
-              <a:t>10/19/2023</a:t>
+              <a:t>8/6/2024</a:t>
             </a:fld>
             <a:endParaRPr lang="en-US"/>
           </a:p>
@@ -2982,7 +4286,7 @@
           <a:p>
             <a:fld id="{FEC8F623-83FF-45D9-9165-1796CF17F145}" type="datetimeFigureOut">
               <a:rPr lang="en-US" smtClean="0"/>
-              <a:t>10/19/2023</a:t>
+              <a:t>8/6/2024</a:t>
             </a:fld>
             <a:endParaRPr lang="en-US"/>
           </a:p>
@@ -3123,7 +4427,7 @@
           <a:p>
             <a:fld id="{FEC8F623-83FF-45D9-9165-1796CF17F145}" type="datetimeFigureOut">
               <a:rPr lang="en-US" smtClean="0"/>
-              <a:t>10/19/2023</a:t>
+              <a:t>8/6/2024</a:t>
             </a:fld>
             <a:endParaRPr lang="en-US"/>
           </a:p>
@@ -3218,7 +4522,7 @@
           <a:p>
             <a:fld id="{FEC8F623-83FF-45D9-9165-1796CF17F145}" type="datetimeFigureOut">
               <a:rPr lang="en-US" smtClean="0"/>
-              <a:t>10/19/2023</a:t>
+              <a:t>8/6/2024</a:t>
             </a:fld>
             <a:endParaRPr lang="en-US"/>
           </a:p>
@@ -3493,7 +4797,7 @@
           <a:p>
             <a:fld id="{FEC8F623-83FF-45D9-9165-1796CF17F145}" type="datetimeFigureOut">
               <a:rPr lang="en-US" smtClean="0"/>
-              <a:t>10/19/2023</a:t>
+              <a:t>8/6/2024</a:t>
             </a:fld>
             <a:endParaRPr lang="en-US"/>
           </a:p>
@@ -3745,7 +5049,7 @@
           <a:p>
             <a:fld id="{FEC8F623-83FF-45D9-9165-1796CF17F145}" type="datetimeFigureOut">
               <a:rPr lang="en-US" smtClean="0"/>
-              <a:t>10/19/2023</a:t>
+              <a:t>8/6/2024</a:t>
             </a:fld>
             <a:endParaRPr lang="en-US"/>
           </a:p>
@@ -3956,7 +5260,7 @@
           <a:p>
             <a:fld id="{FEC8F623-83FF-45D9-9165-1796CF17F145}" type="datetimeFigureOut">
               <a:rPr lang="en-US" smtClean="0"/>
-              <a:t>10/19/2023</a:t>
+              <a:t>8/6/2024</a:t>
             </a:fld>
             <a:endParaRPr lang="en-US"/>
           </a:p>
@@ -4447,7 +5751,7 @@
         <p:spPr>
           <a:xfrm>
             <a:off x="995855" y="3967520"/>
-            <a:ext cx="10200289" cy="1754326"/>
+            <a:ext cx="10200289" cy="2031325"/>
           </a:xfrm>
           <a:prstGeom prst="rect">
             <a:avLst/>
@@ -4462,14 +5766,14 @@
           <a:p>
             <a:pPr algn="l"/>
             <a:r>
-              <a:rPr lang="en-US" b="0" i="0" dirty="0">
+              <a:rPr lang="en-US" dirty="0">
                 <a:solidFill>
                   <a:srgbClr val="000000"/>
                 </a:solidFill>
                 <a:effectLst/>
                 <a:latin typeface="Open Sans" panose="020B0606030504020204" pitchFamily="34" charset="0"/>
               </a:rPr>
-              <a:t>Approximately 1 in 7 adults in the United States has chronic kidney disease (CKD) stages 1–5. The overall crude prevalence of CKD was 13.9% during 2017–March 2020 and 12.9% during 2001–2004. CKD stages showed little change over time.</a:t>
+              <a:t>Approximately 1 in 7 adults in the United States has chronic kidney disease (CKD) stages 1–5. The overall crude prevalence of CKD was 13.9% during 2017–March 2020 and 12.9% during 2001–2004. CKD stages showed little change over time. Age-standardized prevalence trends moved in the opposite direction as compared to crude trends.</a:t>
             </a:r>
           </a:p>
           <a:p>
@@ -4554,8 +5858,20 @@
                     <a:lumOff val="35000"/>
                   </a:schemeClr>
                 </a:solidFill>
+                <a:hlinkClick r:id="rId3"/>
               </a:rPr>
               <a:t>https://nccd.cdc.gov/CKD/detail.aspx?Qnum=Q372</a:t>
+            </a:r>
+            <a:r>
+              <a:rPr lang="en-US" dirty="0">
+                <a:solidFill>
+                  <a:schemeClr val="tx1">
+                    <a:lumMod val="65000"/>
+                    <a:lumOff val="35000"/>
+                  </a:schemeClr>
+                </a:solidFill>
+              </a:rPr>
+              <a:t> </a:t>
             </a:r>
           </a:p>
         </p:txBody>
@@ -4602,48 +5918,45 @@
         </p:nvSpPr>
         <p:spPr>
           <a:xfrm>
-            <a:off x="601317" y="122583"/>
+            <a:off x="601318" y="0"/>
             <a:ext cx="10989364" cy="1229139"/>
           </a:xfrm>
         </p:spPr>
         <p:txBody>
           <a:bodyPr>
-            <a:normAutofit fontScale="90000"/>
+            <a:normAutofit/>
           </a:bodyPr>
           <a:lstStyle/>
           <a:p>
             <a:pPr algn="ctr"/>
             <a:r>
-              <a:rPr lang="en-US" sz="4400" b="1" dirty="0"/>
-              <a:t>Trends in Prevalence of CKD Stages among U.S. Adults</a:t>
-            </a:r>
-            <a:endParaRPr lang="en-US" b="1" dirty="0"/>
+              <a:rPr lang="en-US" sz="3510" b="1" dirty="0"/>
+              <a:t>Crude Trends in Prevalence of CKD Stages among U.S. Adults</a:t>
+            </a:r>
           </a:p>
         </p:txBody>
       </p:sp>
       <p:graphicFrame>
         <p:nvGraphicFramePr>
-          <p:cNvPr id="4" name="Chart 3">
+          <p:cNvPr id="5" name="Chart 4">
             <a:extLst>
               <a:ext uri="{FF2B5EF4-FFF2-40B4-BE49-F238E27FC236}">
                 <a16:creationId xmlns:a16="http://schemas.microsoft.com/office/drawing/2014/main" id="{9630C02B-75B0-4A21-9262-0D1D3B4B0754}"/>
               </a:ext>
             </a:extLst>
           </p:cNvPr>
-          <p:cNvGraphicFramePr>
-            <a:graphicFrameLocks/>
-          </p:cNvGraphicFramePr>
+          <p:cNvGraphicFramePr/>
           <p:nvPr>
             <p:extLst>
               <p:ext uri="{D42A27DB-BD31-4B8C-83A1-F6EECF244321}">
-                <p14:modId xmlns:p14="http://schemas.microsoft.com/office/powerpoint/2010/main" val="2641807496"/>
+                <p14:modId xmlns:p14="http://schemas.microsoft.com/office/powerpoint/2010/main" val="2063455059"/>
               </p:ext>
             </p:extLst>
           </p:nvPr>
         </p:nvGraphicFramePr>
         <p:xfrm>
-          <a:off x="364434" y="1086678"/>
-          <a:ext cx="11463129" cy="5406887"/>
+          <a:off x="0" y="848139"/>
+          <a:ext cx="12192000" cy="5314122"/>
         </p:xfrm>
         <a:graphic>
           <a:graphicData uri="http://schemas.openxmlformats.org/drawingml/2006/chart">
@@ -4655,6 +5968,94 @@
     <p:extLst>
       <p:ext uri="{BB962C8B-B14F-4D97-AF65-F5344CB8AC3E}">
         <p14:creationId xmlns:p14="http://schemas.microsoft.com/office/powerpoint/2010/main" val="3236636429"/>
+      </p:ext>
+    </p:extLst>
+  </p:cSld>
+  <p:clrMapOvr>
+    <a:masterClrMapping/>
+  </p:clrMapOvr>
+</p:sld>
+</file>
+
+<file path=ppt/slides/slide3.xml><?xml version="1.0" encoding="utf-8"?>
+<p:sld xmlns:a="http://schemas.openxmlformats.org/drawingml/2006/main" xmlns:r="http://schemas.openxmlformats.org/officeDocument/2006/relationships" xmlns:p="http://schemas.openxmlformats.org/presentationml/2006/main">
+  <p:cSld>
+    <p:spTree>
+      <p:nvGrpSpPr>
+        <p:cNvPr id="1" name=""/>
+        <p:cNvGrpSpPr/>
+        <p:nvPr/>
+      </p:nvGrpSpPr>
+      <p:grpSpPr>
+        <a:xfrm>
+          <a:off x="0" y="0"/>
+          <a:ext cx="0" cy="0"/>
+          <a:chOff x="0" y="0"/>
+          <a:chExt cx="0" cy="0"/>
+        </a:xfrm>
+      </p:grpSpPr>
+      <p:sp>
+        <p:nvSpPr>
+          <p:cNvPr id="2" name="Title 1"/>
+          <p:cNvSpPr>
+            <a:spLocks noGrp="1"/>
+          </p:cNvSpPr>
+          <p:nvPr>
+            <p:ph type="title"/>
+          </p:nvPr>
+        </p:nvSpPr>
+        <p:spPr>
+          <a:xfrm>
+            <a:off x="0" y="173935"/>
+            <a:ext cx="12192000" cy="990600"/>
+          </a:xfrm>
+        </p:spPr>
+        <p:txBody>
+          <a:bodyPr>
+            <a:normAutofit/>
+          </a:bodyPr>
+          <a:lstStyle/>
+          <a:p>
+            <a:pPr algn="ctr"/>
+            <a:r>
+              <a:rPr lang="en-US" sz="3300" b="1" dirty="0"/>
+              <a:t>Age-Standardized Trends in Prevalence of CKD Stages among U.S. Adults</a:t>
+            </a:r>
+          </a:p>
+        </p:txBody>
+      </p:sp>
+      <p:graphicFrame>
+        <p:nvGraphicFramePr>
+          <p:cNvPr id="4" name="Chart 3">
+            <a:extLst>
+              <a:ext uri="{FF2B5EF4-FFF2-40B4-BE49-F238E27FC236}">
+                <a16:creationId xmlns:a16="http://schemas.microsoft.com/office/drawing/2014/main" id="{43D2A549-E8C5-497C-A0BF-7CE1F8EF4805}"/>
+              </a:ext>
+            </a:extLst>
+          </p:cNvPr>
+          <p:cNvGraphicFramePr/>
+          <p:nvPr>
+            <p:extLst>
+              <p:ext uri="{D42A27DB-BD31-4B8C-83A1-F6EECF244321}">
+                <p14:modId xmlns:p14="http://schemas.microsoft.com/office/powerpoint/2010/main" val="1795945244"/>
+              </p:ext>
+            </p:extLst>
+          </p:nvPr>
+        </p:nvGraphicFramePr>
+        <p:xfrm>
+          <a:off x="0" y="874643"/>
+          <a:ext cx="12192000" cy="5314122"/>
+        </p:xfrm>
+        <a:graphic>
+          <a:graphicData uri="http://schemas.openxmlformats.org/drawingml/2006/chart">
+            <c:chart xmlns:c="http://schemas.openxmlformats.org/drawingml/2006/chart" xmlns:r="http://schemas.openxmlformats.org/officeDocument/2006/relationships" r:id="rId2"/>
+          </a:graphicData>
+        </a:graphic>
+      </p:graphicFrame>
+    </p:spTree>
+    <p:extLst>
+      <p:ext uri="{BB962C8B-B14F-4D97-AF65-F5344CB8AC3E}">
+        <p14:creationId xmlns:p14="http://schemas.microsoft.com/office/powerpoint/2010/main" val="1265177551"/>
       </p:ext>
     </p:extLst>
   </p:cSld>
